--- a/docs/tutorials/img/vae-gmm-mlda/vae-gmm-mlda.pptx
+++ b/docs/tutorials/img/vae-gmm-mlda/vae-gmm-mlda.pptx
@@ -2,12 +2,12 @@
 <file path=ppt/presentation.xml><?xml version="1.0" encoding="utf-8"?>
 <p:presentation xmlns:a="http://schemas.openxmlformats.org/drawingml/2006/main" xmlns:r="http://schemas.openxmlformats.org/officeDocument/2006/relationships" xmlns:p="http://schemas.openxmlformats.org/presentationml/2006/main" saveSubsetFonts="1">
   <p:sldMasterIdLst>
-    <p:sldMasterId id="2147484056" r:id="rId1"/>
+    <p:sldMasterId id="2147484104" r:id="rId1"/>
   </p:sldMasterIdLst>
   <p:sldIdLst>
     <p:sldId id="256" r:id="rId2"/>
   </p:sldIdLst>
-  <p:sldSz cx="7019925" cy="8280400"/>
+  <p:sldSz cx="15119350" cy="8280400"/>
   <p:notesSz cx="6858000" cy="9144000"/>
   <p:defaultTextStyle>
     <a:defPPr>
@@ -112,7 +112,7 @@
             <a:srgbClr val="A4A3A4"/>
           </p15:clr>
         </p15:guide>
-        <p15:guide id="2" pos="2213" userDrawn="1">
+        <p15:guide id="2" pos="4767" userDrawn="1">
           <p15:clr>
             <a:srgbClr val="A4A3A4"/>
           </p15:clr>
@@ -152,15 +152,15 @@
         </p:nvSpPr>
         <p:spPr>
           <a:xfrm>
-            <a:off x="526495" y="1355149"/>
-            <a:ext cx="5966936" cy="2882806"/>
+            <a:off x="1889919" y="1355149"/>
+            <a:ext cx="11339513" cy="2882806"/>
           </a:xfrm>
         </p:spPr>
         <p:txBody>
           <a:bodyPr anchor="b"/>
           <a:lstStyle>
             <a:lvl1pPr algn="ctr">
-              <a:defRPr sz="4606"/>
+              <a:defRPr sz="7244"/>
             </a:lvl1pPr>
           </a:lstStyle>
           <a:p>
@@ -184,8 +184,8 @@
         </p:nvSpPr>
         <p:spPr>
           <a:xfrm>
-            <a:off x="877491" y="4349128"/>
-            <a:ext cx="5264944" cy="1999179"/>
+            <a:off x="1889919" y="4349128"/>
+            <a:ext cx="11339513" cy="1999179"/>
           </a:xfrm>
         </p:spPr>
         <p:txBody>
@@ -193,39 +193,39 @@
           <a:lstStyle>
             <a:lvl1pPr marL="0" indent="0" algn="ctr">
               <a:buNone/>
-              <a:defRPr sz="1842"/>
+              <a:defRPr sz="2898"/>
             </a:lvl1pPr>
-            <a:lvl2pPr marL="350992" indent="0" algn="ctr">
-              <a:buNone/>
-              <a:defRPr sz="1535"/>
+            <a:lvl2pPr marL="552023" indent="0" algn="ctr">
+              <a:buNone/>
+              <a:defRPr sz="2415"/>
             </a:lvl2pPr>
-            <a:lvl3pPr marL="701985" indent="0" algn="ctr">
-              <a:buNone/>
-              <a:defRPr sz="1382"/>
+            <a:lvl3pPr marL="1104047" indent="0" algn="ctr">
+              <a:buNone/>
+              <a:defRPr sz="2173"/>
             </a:lvl3pPr>
-            <a:lvl4pPr marL="1052977" indent="0" algn="ctr">
-              <a:buNone/>
-              <a:defRPr sz="1228"/>
+            <a:lvl4pPr marL="1656070" indent="0" algn="ctr">
+              <a:buNone/>
+              <a:defRPr sz="1932"/>
             </a:lvl4pPr>
-            <a:lvl5pPr marL="1403970" indent="0" algn="ctr">
-              <a:buNone/>
-              <a:defRPr sz="1228"/>
+            <a:lvl5pPr marL="2208093" indent="0" algn="ctr">
+              <a:buNone/>
+              <a:defRPr sz="1932"/>
             </a:lvl5pPr>
-            <a:lvl6pPr marL="1754962" indent="0" algn="ctr">
-              <a:buNone/>
-              <a:defRPr sz="1228"/>
+            <a:lvl6pPr marL="2760116" indent="0" algn="ctr">
+              <a:buNone/>
+              <a:defRPr sz="1932"/>
             </a:lvl6pPr>
-            <a:lvl7pPr marL="2105955" indent="0" algn="ctr">
-              <a:buNone/>
-              <a:defRPr sz="1228"/>
+            <a:lvl7pPr marL="3312140" indent="0" algn="ctr">
+              <a:buNone/>
+              <a:defRPr sz="1932"/>
             </a:lvl7pPr>
-            <a:lvl8pPr marL="2456947" indent="0" algn="ctr">
-              <a:buNone/>
-              <a:defRPr sz="1228"/>
+            <a:lvl8pPr marL="3864163" indent="0" algn="ctr">
+              <a:buNone/>
+              <a:defRPr sz="1932"/>
             </a:lvl8pPr>
-            <a:lvl9pPr marL="2807940" indent="0" algn="ctr">
-              <a:buNone/>
-              <a:defRPr sz="1228"/>
+            <a:lvl9pPr marL="4416186" indent="0" algn="ctr">
+              <a:buNone/>
+              <a:defRPr sz="1932"/>
             </a:lvl9pPr>
           </a:lstStyle>
           <a:p>
@@ -254,7 +254,7 @@
           <a:p>
             <a:fld id="{9B3F4528-C138-4BF2-B6A0-94131316515C}" type="datetimeFigureOut">
               <a:rPr kumimoji="1" lang="ja-JP" altLang="en-US" smtClean="0"/>
-              <a:t>2018/12/3</a:t>
+              <a:t>2018/12/6</a:t>
             </a:fld>
             <a:endParaRPr kumimoji="1" lang="ja-JP" altLang="en-US"/>
           </a:p>
@@ -305,7 +305,7 @@
     </p:spTree>
     <p:extLst>
       <p:ext uri="{BB962C8B-B14F-4D97-AF65-F5344CB8AC3E}">
-        <p14:creationId xmlns:p14="http://schemas.microsoft.com/office/powerpoint/2010/main" val="3619362781"/>
+        <p14:creationId xmlns:p14="http://schemas.microsoft.com/office/powerpoint/2010/main" val="2414260849"/>
       </p:ext>
     </p:extLst>
   </p:cSld>
@@ -456,7 +456,7 @@
           <a:p>
             <a:fld id="{9B3F4528-C138-4BF2-B6A0-94131316515C}" type="datetimeFigureOut">
               <a:rPr kumimoji="1" lang="ja-JP" altLang="en-US" smtClean="0"/>
-              <a:t>2018/12/3</a:t>
+              <a:t>2018/12/6</a:t>
             </a:fld>
             <a:endParaRPr kumimoji="1" lang="ja-JP" altLang="en-US"/>
           </a:p>
@@ -507,7 +507,7 @@
     </p:spTree>
     <p:extLst>
       <p:ext uri="{BB962C8B-B14F-4D97-AF65-F5344CB8AC3E}">
-        <p14:creationId xmlns:p14="http://schemas.microsoft.com/office/powerpoint/2010/main" val="1215716577"/>
+        <p14:creationId xmlns:p14="http://schemas.microsoft.com/office/powerpoint/2010/main" val="1394361103"/>
       </p:ext>
     </p:extLst>
   </p:cSld>
@@ -546,8 +546,8 @@
         </p:nvSpPr>
         <p:spPr>
           <a:xfrm>
-            <a:off x="5023634" y="440855"/>
-            <a:ext cx="1513671" cy="7017256"/>
+            <a:off x="10819785" y="440855"/>
+            <a:ext cx="3260110" cy="7017256"/>
           </a:xfrm>
         </p:spPr>
         <p:txBody>
@@ -574,8 +574,8 @@
         </p:nvSpPr>
         <p:spPr>
           <a:xfrm>
-            <a:off x="482620" y="440855"/>
-            <a:ext cx="4453265" cy="7017256"/>
+            <a:off x="1039455" y="440855"/>
+            <a:ext cx="9591338" cy="7017256"/>
           </a:xfrm>
         </p:spPr>
         <p:txBody>
@@ -668,7 +668,7 @@
           <a:p>
             <a:fld id="{9B3F4528-C138-4BF2-B6A0-94131316515C}" type="datetimeFigureOut">
               <a:rPr kumimoji="1" lang="ja-JP" altLang="en-US" smtClean="0"/>
-              <a:t>2018/12/3</a:t>
+              <a:t>2018/12/6</a:t>
             </a:fld>
             <a:endParaRPr kumimoji="1" lang="ja-JP" altLang="en-US"/>
           </a:p>
@@ -719,7 +719,7 @@
     </p:spTree>
     <p:extLst>
       <p:ext uri="{BB962C8B-B14F-4D97-AF65-F5344CB8AC3E}">
-        <p14:creationId xmlns:p14="http://schemas.microsoft.com/office/powerpoint/2010/main" val="2799419883"/>
+        <p14:creationId xmlns:p14="http://schemas.microsoft.com/office/powerpoint/2010/main" val="4094756429"/>
       </p:ext>
     </p:extLst>
   </p:cSld>
@@ -870,7 +870,7 @@
           <a:p>
             <a:fld id="{9B3F4528-C138-4BF2-B6A0-94131316515C}" type="datetimeFigureOut">
               <a:rPr kumimoji="1" lang="ja-JP" altLang="en-US" smtClean="0"/>
-              <a:t>2018/12/3</a:t>
+              <a:t>2018/12/6</a:t>
             </a:fld>
             <a:endParaRPr kumimoji="1" lang="ja-JP" altLang="en-US"/>
           </a:p>
@@ -921,7 +921,7 @@
     </p:spTree>
     <p:extLst>
       <p:ext uri="{BB962C8B-B14F-4D97-AF65-F5344CB8AC3E}">
-        <p14:creationId xmlns:p14="http://schemas.microsoft.com/office/powerpoint/2010/main" val="2598173277"/>
+        <p14:creationId xmlns:p14="http://schemas.microsoft.com/office/powerpoint/2010/main" val="3045739595"/>
       </p:ext>
     </p:extLst>
   </p:cSld>
@@ -960,15 +960,15 @@
         </p:nvSpPr>
         <p:spPr>
           <a:xfrm>
-            <a:off x="478964" y="2064352"/>
-            <a:ext cx="6054685" cy="3444416"/>
+            <a:off x="1031581" y="2064351"/>
+            <a:ext cx="13040439" cy="3444416"/>
           </a:xfrm>
         </p:spPr>
         <p:txBody>
           <a:bodyPr anchor="b"/>
           <a:lstStyle>
             <a:lvl1pPr>
-              <a:defRPr sz="4606"/>
+              <a:defRPr sz="7244"/>
             </a:lvl1pPr>
           </a:lstStyle>
           <a:p>
@@ -992,8 +992,8 @@
         </p:nvSpPr>
         <p:spPr>
           <a:xfrm>
-            <a:off x="478964" y="5541353"/>
-            <a:ext cx="6054685" cy="1811337"/>
+            <a:off x="1031581" y="5541352"/>
+            <a:ext cx="13040439" cy="1811337"/>
           </a:xfrm>
         </p:spPr>
         <p:txBody>
@@ -1001,15 +1001,17 @@
           <a:lstStyle>
             <a:lvl1pPr marL="0" indent="0">
               <a:buNone/>
-              <a:defRPr sz="1842">
+              <a:defRPr sz="2898">
                 <a:solidFill>
-                  <a:schemeClr val="tx1"/>
+                  <a:schemeClr val="tx1">
+                    <a:tint val="75000"/>
+                  </a:schemeClr>
                 </a:solidFill>
               </a:defRPr>
             </a:lvl1pPr>
-            <a:lvl2pPr marL="350992" indent="0">
-              <a:buNone/>
-              <a:defRPr sz="1535">
+            <a:lvl2pPr marL="552023" indent="0">
+              <a:buNone/>
+              <a:defRPr sz="2415">
                 <a:solidFill>
                   <a:schemeClr val="tx1">
                     <a:tint val="75000"/>
@@ -1017,9 +1019,9 @@
                 </a:solidFill>
               </a:defRPr>
             </a:lvl2pPr>
-            <a:lvl3pPr marL="701985" indent="0">
-              <a:buNone/>
-              <a:defRPr sz="1382">
+            <a:lvl3pPr marL="1104047" indent="0">
+              <a:buNone/>
+              <a:defRPr sz="2173">
                 <a:solidFill>
                   <a:schemeClr val="tx1">
                     <a:tint val="75000"/>
@@ -1027,9 +1029,9 @@
                 </a:solidFill>
               </a:defRPr>
             </a:lvl3pPr>
-            <a:lvl4pPr marL="1052977" indent="0">
-              <a:buNone/>
-              <a:defRPr sz="1228">
+            <a:lvl4pPr marL="1656070" indent="0">
+              <a:buNone/>
+              <a:defRPr sz="1932">
                 <a:solidFill>
                   <a:schemeClr val="tx1">
                     <a:tint val="75000"/>
@@ -1037,9 +1039,9 @@
                 </a:solidFill>
               </a:defRPr>
             </a:lvl4pPr>
-            <a:lvl5pPr marL="1403970" indent="0">
-              <a:buNone/>
-              <a:defRPr sz="1228">
+            <a:lvl5pPr marL="2208093" indent="0">
+              <a:buNone/>
+              <a:defRPr sz="1932">
                 <a:solidFill>
                   <a:schemeClr val="tx1">
                     <a:tint val="75000"/>
@@ -1047,9 +1049,9 @@
                 </a:solidFill>
               </a:defRPr>
             </a:lvl5pPr>
-            <a:lvl6pPr marL="1754962" indent="0">
-              <a:buNone/>
-              <a:defRPr sz="1228">
+            <a:lvl6pPr marL="2760116" indent="0">
+              <a:buNone/>
+              <a:defRPr sz="1932">
                 <a:solidFill>
                   <a:schemeClr val="tx1">
                     <a:tint val="75000"/>
@@ -1057,9 +1059,9 @@
                 </a:solidFill>
               </a:defRPr>
             </a:lvl6pPr>
-            <a:lvl7pPr marL="2105955" indent="0">
-              <a:buNone/>
-              <a:defRPr sz="1228">
+            <a:lvl7pPr marL="3312140" indent="0">
+              <a:buNone/>
+              <a:defRPr sz="1932">
                 <a:solidFill>
                   <a:schemeClr val="tx1">
                     <a:tint val="75000"/>
@@ -1067,9 +1069,9 @@
                 </a:solidFill>
               </a:defRPr>
             </a:lvl7pPr>
-            <a:lvl8pPr marL="2456947" indent="0">
-              <a:buNone/>
-              <a:defRPr sz="1228">
+            <a:lvl8pPr marL="3864163" indent="0">
+              <a:buNone/>
+              <a:defRPr sz="1932">
                 <a:solidFill>
                   <a:schemeClr val="tx1">
                     <a:tint val="75000"/>
@@ -1077,9 +1079,9 @@
                 </a:solidFill>
               </a:defRPr>
             </a:lvl8pPr>
-            <a:lvl9pPr marL="2807940" indent="0">
-              <a:buNone/>
-              <a:defRPr sz="1228">
+            <a:lvl9pPr marL="4416186" indent="0">
+              <a:buNone/>
+              <a:defRPr sz="1932">
                 <a:solidFill>
                   <a:schemeClr val="tx1">
                     <a:tint val="75000"/>
@@ -1114,7 +1116,7 @@
           <a:p>
             <a:fld id="{9B3F4528-C138-4BF2-B6A0-94131316515C}" type="datetimeFigureOut">
               <a:rPr kumimoji="1" lang="ja-JP" altLang="en-US" smtClean="0"/>
-              <a:t>2018/12/3</a:t>
+              <a:t>2018/12/6</a:t>
             </a:fld>
             <a:endParaRPr kumimoji="1" lang="ja-JP" altLang="en-US"/>
           </a:p>
@@ -1165,7 +1167,7 @@
     </p:spTree>
     <p:extLst>
       <p:ext uri="{BB962C8B-B14F-4D97-AF65-F5344CB8AC3E}">
-        <p14:creationId xmlns:p14="http://schemas.microsoft.com/office/powerpoint/2010/main" val="3142392306"/>
+        <p14:creationId xmlns:p14="http://schemas.microsoft.com/office/powerpoint/2010/main" val="787589264"/>
       </p:ext>
     </p:extLst>
   </p:cSld>
@@ -1227,8 +1229,8 @@
         </p:nvSpPr>
         <p:spPr>
           <a:xfrm>
-            <a:off x="482620" y="2204273"/>
-            <a:ext cx="2983468" cy="5253838"/>
+            <a:off x="1039455" y="2204273"/>
+            <a:ext cx="6425724" cy="5253838"/>
           </a:xfrm>
         </p:spPr>
         <p:txBody>
@@ -1316,8 +1318,8 @@
         </p:nvSpPr>
         <p:spPr>
           <a:xfrm>
-            <a:off x="3553837" y="2204273"/>
-            <a:ext cx="2983468" cy="5253838"/>
+            <a:off x="7654171" y="2204273"/>
+            <a:ext cx="6425724" cy="5253838"/>
           </a:xfrm>
         </p:spPr>
         <p:txBody>
@@ -1410,7 +1412,7 @@
           <a:p>
             <a:fld id="{9B3F4528-C138-4BF2-B6A0-94131316515C}" type="datetimeFigureOut">
               <a:rPr kumimoji="1" lang="ja-JP" altLang="en-US" smtClean="0"/>
-              <a:t>2018/12/3</a:t>
+              <a:t>2018/12/6</a:t>
             </a:fld>
             <a:endParaRPr kumimoji="1" lang="ja-JP" altLang="en-US"/>
           </a:p>
@@ -1461,7 +1463,7 @@
     </p:spTree>
     <p:extLst>
       <p:ext uri="{BB962C8B-B14F-4D97-AF65-F5344CB8AC3E}">
-        <p14:creationId xmlns:p14="http://schemas.microsoft.com/office/powerpoint/2010/main" val="681405875"/>
+        <p14:creationId xmlns:p14="http://schemas.microsoft.com/office/powerpoint/2010/main" val="139471883"/>
       </p:ext>
     </p:extLst>
   </p:cSld>
@@ -1500,8 +1502,8 @@
         </p:nvSpPr>
         <p:spPr>
           <a:xfrm>
-            <a:off x="483534" y="440856"/>
-            <a:ext cx="6054685" cy="1600495"/>
+            <a:off x="1041425" y="440855"/>
+            <a:ext cx="13040439" cy="1600495"/>
           </a:xfrm>
         </p:spPr>
         <p:txBody>
@@ -1528,8 +1530,8 @@
         </p:nvSpPr>
         <p:spPr>
           <a:xfrm>
-            <a:off x="483535" y="2029849"/>
-            <a:ext cx="2969757" cy="994797"/>
+            <a:off x="1041425" y="2029849"/>
+            <a:ext cx="6396193" cy="994797"/>
           </a:xfrm>
         </p:spPr>
         <p:txBody>
@@ -1537,39 +1539,39 @@
           <a:lstStyle>
             <a:lvl1pPr marL="0" indent="0">
               <a:buNone/>
-              <a:defRPr sz="1842" b="1"/>
+              <a:defRPr sz="2898" b="1"/>
             </a:lvl1pPr>
-            <a:lvl2pPr marL="350992" indent="0">
-              <a:buNone/>
-              <a:defRPr sz="1535" b="1"/>
+            <a:lvl2pPr marL="552023" indent="0">
+              <a:buNone/>
+              <a:defRPr sz="2415" b="1"/>
             </a:lvl2pPr>
-            <a:lvl3pPr marL="701985" indent="0">
-              <a:buNone/>
-              <a:defRPr sz="1382" b="1"/>
+            <a:lvl3pPr marL="1104047" indent="0">
+              <a:buNone/>
+              <a:defRPr sz="2173" b="1"/>
             </a:lvl3pPr>
-            <a:lvl4pPr marL="1052977" indent="0">
-              <a:buNone/>
-              <a:defRPr sz="1228" b="1"/>
+            <a:lvl4pPr marL="1656070" indent="0">
+              <a:buNone/>
+              <a:defRPr sz="1932" b="1"/>
             </a:lvl4pPr>
-            <a:lvl5pPr marL="1403970" indent="0">
-              <a:buNone/>
-              <a:defRPr sz="1228" b="1"/>
+            <a:lvl5pPr marL="2208093" indent="0">
+              <a:buNone/>
+              <a:defRPr sz="1932" b="1"/>
             </a:lvl5pPr>
-            <a:lvl6pPr marL="1754962" indent="0">
-              <a:buNone/>
-              <a:defRPr sz="1228" b="1"/>
+            <a:lvl6pPr marL="2760116" indent="0">
+              <a:buNone/>
+              <a:defRPr sz="1932" b="1"/>
             </a:lvl6pPr>
-            <a:lvl7pPr marL="2105955" indent="0">
-              <a:buNone/>
-              <a:defRPr sz="1228" b="1"/>
+            <a:lvl7pPr marL="3312140" indent="0">
+              <a:buNone/>
+              <a:defRPr sz="1932" b="1"/>
             </a:lvl7pPr>
-            <a:lvl8pPr marL="2456947" indent="0">
-              <a:buNone/>
-              <a:defRPr sz="1228" b="1"/>
+            <a:lvl8pPr marL="3864163" indent="0">
+              <a:buNone/>
+              <a:defRPr sz="1932" b="1"/>
             </a:lvl8pPr>
-            <a:lvl9pPr marL="2807940" indent="0">
-              <a:buNone/>
-              <a:defRPr sz="1228" b="1"/>
+            <a:lvl9pPr marL="4416186" indent="0">
+              <a:buNone/>
+              <a:defRPr sz="1932" b="1"/>
             </a:lvl9pPr>
           </a:lstStyle>
           <a:p>
@@ -1593,8 +1595,8 @@
         </p:nvSpPr>
         <p:spPr>
           <a:xfrm>
-            <a:off x="483535" y="3024646"/>
-            <a:ext cx="2969757" cy="4448799"/>
+            <a:off x="1041425" y="3024646"/>
+            <a:ext cx="6396193" cy="4448799"/>
           </a:xfrm>
         </p:spPr>
         <p:txBody>
@@ -1682,8 +1684,8 @@
         </p:nvSpPr>
         <p:spPr>
           <a:xfrm>
-            <a:off x="3553838" y="2029849"/>
-            <a:ext cx="2984382" cy="994797"/>
+            <a:off x="7654171" y="2029849"/>
+            <a:ext cx="6427693" cy="994797"/>
           </a:xfrm>
         </p:spPr>
         <p:txBody>
@@ -1691,39 +1693,39 @@
           <a:lstStyle>
             <a:lvl1pPr marL="0" indent="0">
               <a:buNone/>
-              <a:defRPr sz="1842" b="1"/>
+              <a:defRPr sz="2898" b="1"/>
             </a:lvl1pPr>
-            <a:lvl2pPr marL="350992" indent="0">
-              <a:buNone/>
-              <a:defRPr sz="1535" b="1"/>
+            <a:lvl2pPr marL="552023" indent="0">
+              <a:buNone/>
+              <a:defRPr sz="2415" b="1"/>
             </a:lvl2pPr>
-            <a:lvl3pPr marL="701985" indent="0">
-              <a:buNone/>
-              <a:defRPr sz="1382" b="1"/>
+            <a:lvl3pPr marL="1104047" indent="0">
+              <a:buNone/>
+              <a:defRPr sz="2173" b="1"/>
             </a:lvl3pPr>
-            <a:lvl4pPr marL="1052977" indent="0">
-              <a:buNone/>
-              <a:defRPr sz="1228" b="1"/>
+            <a:lvl4pPr marL="1656070" indent="0">
+              <a:buNone/>
+              <a:defRPr sz="1932" b="1"/>
             </a:lvl4pPr>
-            <a:lvl5pPr marL="1403970" indent="0">
-              <a:buNone/>
-              <a:defRPr sz="1228" b="1"/>
+            <a:lvl5pPr marL="2208093" indent="0">
+              <a:buNone/>
+              <a:defRPr sz="1932" b="1"/>
             </a:lvl5pPr>
-            <a:lvl6pPr marL="1754962" indent="0">
-              <a:buNone/>
-              <a:defRPr sz="1228" b="1"/>
+            <a:lvl6pPr marL="2760116" indent="0">
+              <a:buNone/>
+              <a:defRPr sz="1932" b="1"/>
             </a:lvl6pPr>
-            <a:lvl7pPr marL="2105955" indent="0">
-              <a:buNone/>
-              <a:defRPr sz="1228" b="1"/>
+            <a:lvl7pPr marL="3312140" indent="0">
+              <a:buNone/>
+              <a:defRPr sz="1932" b="1"/>
             </a:lvl7pPr>
-            <a:lvl8pPr marL="2456947" indent="0">
-              <a:buNone/>
-              <a:defRPr sz="1228" b="1"/>
+            <a:lvl8pPr marL="3864163" indent="0">
+              <a:buNone/>
+              <a:defRPr sz="1932" b="1"/>
             </a:lvl8pPr>
-            <a:lvl9pPr marL="2807940" indent="0">
-              <a:buNone/>
-              <a:defRPr sz="1228" b="1"/>
+            <a:lvl9pPr marL="4416186" indent="0">
+              <a:buNone/>
+              <a:defRPr sz="1932" b="1"/>
             </a:lvl9pPr>
           </a:lstStyle>
           <a:p>
@@ -1747,8 +1749,8 @@
         </p:nvSpPr>
         <p:spPr>
           <a:xfrm>
-            <a:off x="3553838" y="3024646"/>
-            <a:ext cx="2984382" cy="4448799"/>
+            <a:off x="7654171" y="3024646"/>
+            <a:ext cx="6427693" cy="4448799"/>
           </a:xfrm>
         </p:spPr>
         <p:txBody>
@@ -1841,7 +1843,7 @@
           <a:p>
             <a:fld id="{9B3F4528-C138-4BF2-B6A0-94131316515C}" type="datetimeFigureOut">
               <a:rPr kumimoji="1" lang="ja-JP" altLang="en-US" smtClean="0"/>
-              <a:t>2018/12/3</a:t>
+              <a:t>2018/12/6</a:t>
             </a:fld>
             <a:endParaRPr kumimoji="1" lang="ja-JP" altLang="en-US"/>
           </a:p>
@@ -1892,7 +1894,7 @@
     </p:spTree>
     <p:extLst>
       <p:ext uri="{BB962C8B-B14F-4D97-AF65-F5344CB8AC3E}">
-        <p14:creationId xmlns:p14="http://schemas.microsoft.com/office/powerpoint/2010/main" val="1385979549"/>
+        <p14:creationId xmlns:p14="http://schemas.microsoft.com/office/powerpoint/2010/main" val="3237763080"/>
       </p:ext>
     </p:extLst>
   </p:cSld>
@@ -1959,7 +1961,7 @@
           <a:p>
             <a:fld id="{9B3F4528-C138-4BF2-B6A0-94131316515C}" type="datetimeFigureOut">
               <a:rPr kumimoji="1" lang="ja-JP" altLang="en-US" smtClean="0"/>
-              <a:t>2018/12/3</a:t>
+              <a:t>2018/12/6</a:t>
             </a:fld>
             <a:endParaRPr kumimoji="1" lang="ja-JP" altLang="en-US"/>
           </a:p>
@@ -2010,7 +2012,7 @@
     </p:spTree>
     <p:extLst>
       <p:ext uri="{BB962C8B-B14F-4D97-AF65-F5344CB8AC3E}">
-        <p14:creationId xmlns:p14="http://schemas.microsoft.com/office/powerpoint/2010/main" val="1215614355"/>
+        <p14:creationId xmlns:p14="http://schemas.microsoft.com/office/powerpoint/2010/main" val="1007216865"/>
       </p:ext>
     </p:extLst>
   </p:cSld>
@@ -2054,7 +2056,7 @@
           <a:p>
             <a:fld id="{9B3F4528-C138-4BF2-B6A0-94131316515C}" type="datetimeFigureOut">
               <a:rPr kumimoji="1" lang="ja-JP" altLang="en-US" smtClean="0"/>
-              <a:t>2018/12/3</a:t>
+              <a:t>2018/12/6</a:t>
             </a:fld>
             <a:endParaRPr kumimoji="1" lang="ja-JP" altLang="en-US"/>
           </a:p>
@@ -2105,7 +2107,7 @@
     </p:spTree>
     <p:extLst>
       <p:ext uri="{BB962C8B-B14F-4D97-AF65-F5344CB8AC3E}">
-        <p14:creationId xmlns:p14="http://schemas.microsoft.com/office/powerpoint/2010/main" val="1637630072"/>
+        <p14:creationId xmlns:p14="http://schemas.microsoft.com/office/powerpoint/2010/main" val="2005610931"/>
       </p:ext>
     </p:extLst>
   </p:cSld>
@@ -2144,15 +2146,15 @@
         </p:nvSpPr>
         <p:spPr>
           <a:xfrm>
-            <a:off x="483534" y="552027"/>
-            <a:ext cx="2264109" cy="1932093"/>
+            <a:off x="1041425" y="552027"/>
+            <a:ext cx="4876383" cy="1932093"/>
           </a:xfrm>
         </p:spPr>
         <p:txBody>
           <a:bodyPr anchor="b"/>
           <a:lstStyle>
             <a:lvl1pPr>
-              <a:defRPr sz="2457"/>
+              <a:defRPr sz="3864"/>
             </a:lvl1pPr>
           </a:lstStyle>
           <a:p>
@@ -2176,39 +2178,39 @@
         </p:nvSpPr>
         <p:spPr>
           <a:xfrm>
-            <a:off x="2984382" y="1192226"/>
-            <a:ext cx="3553837" cy="5884451"/>
+            <a:off x="6427693" y="1192225"/>
+            <a:ext cx="7654171" cy="5884451"/>
           </a:xfrm>
         </p:spPr>
         <p:txBody>
           <a:bodyPr/>
           <a:lstStyle>
             <a:lvl1pPr>
-              <a:defRPr sz="2457"/>
+              <a:defRPr sz="3864"/>
             </a:lvl1pPr>
             <a:lvl2pPr>
-              <a:defRPr sz="2150"/>
+              <a:defRPr sz="3381"/>
             </a:lvl2pPr>
             <a:lvl3pPr>
-              <a:defRPr sz="1842"/>
+              <a:defRPr sz="2898"/>
             </a:lvl3pPr>
             <a:lvl4pPr>
-              <a:defRPr sz="1535"/>
+              <a:defRPr sz="2415"/>
             </a:lvl4pPr>
             <a:lvl5pPr>
-              <a:defRPr sz="1535"/>
+              <a:defRPr sz="2415"/>
             </a:lvl5pPr>
             <a:lvl6pPr>
-              <a:defRPr sz="1535"/>
+              <a:defRPr sz="2415"/>
             </a:lvl6pPr>
             <a:lvl7pPr>
-              <a:defRPr sz="1535"/>
+              <a:defRPr sz="2415"/>
             </a:lvl7pPr>
             <a:lvl8pPr>
-              <a:defRPr sz="1535"/>
+              <a:defRPr sz="2415"/>
             </a:lvl8pPr>
             <a:lvl9pPr>
-              <a:defRPr sz="1535"/>
+              <a:defRPr sz="2415"/>
             </a:lvl9pPr>
           </a:lstStyle>
           <a:p>
@@ -2293,8 +2295,8 @@
         </p:nvSpPr>
         <p:spPr>
           <a:xfrm>
-            <a:off x="483534" y="2484120"/>
-            <a:ext cx="2264109" cy="4602140"/>
+            <a:off x="1041425" y="2484120"/>
+            <a:ext cx="4876383" cy="4602140"/>
           </a:xfrm>
         </p:spPr>
         <p:txBody>
@@ -2302,39 +2304,39 @@
           <a:lstStyle>
             <a:lvl1pPr marL="0" indent="0">
               <a:buNone/>
-              <a:defRPr sz="1228"/>
+              <a:defRPr sz="1932"/>
             </a:lvl1pPr>
-            <a:lvl2pPr marL="350992" indent="0">
-              <a:buNone/>
-              <a:defRPr sz="1075"/>
+            <a:lvl2pPr marL="552023" indent="0">
+              <a:buNone/>
+              <a:defRPr sz="1690"/>
             </a:lvl2pPr>
-            <a:lvl3pPr marL="701985" indent="0">
-              <a:buNone/>
-              <a:defRPr sz="921"/>
+            <a:lvl3pPr marL="1104047" indent="0">
+              <a:buNone/>
+              <a:defRPr sz="1449"/>
             </a:lvl3pPr>
-            <a:lvl4pPr marL="1052977" indent="0">
-              <a:buNone/>
-              <a:defRPr sz="768"/>
+            <a:lvl4pPr marL="1656070" indent="0">
+              <a:buNone/>
+              <a:defRPr sz="1207"/>
             </a:lvl4pPr>
-            <a:lvl5pPr marL="1403970" indent="0">
-              <a:buNone/>
-              <a:defRPr sz="768"/>
+            <a:lvl5pPr marL="2208093" indent="0">
+              <a:buNone/>
+              <a:defRPr sz="1207"/>
             </a:lvl5pPr>
-            <a:lvl6pPr marL="1754962" indent="0">
-              <a:buNone/>
-              <a:defRPr sz="768"/>
+            <a:lvl6pPr marL="2760116" indent="0">
+              <a:buNone/>
+              <a:defRPr sz="1207"/>
             </a:lvl6pPr>
-            <a:lvl7pPr marL="2105955" indent="0">
-              <a:buNone/>
-              <a:defRPr sz="768"/>
+            <a:lvl7pPr marL="3312140" indent="0">
+              <a:buNone/>
+              <a:defRPr sz="1207"/>
             </a:lvl7pPr>
-            <a:lvl8pPr marL="2456947" indent="0">
-              <a:buNone/>
-              <a:defRPr sz="768"/>
+            <a:lvl8pPr marL="3864163" indent="0">
+              <a:buNone/>
+              <a:defRPr sz="1207"/>
             </a:lvl8pPr>
-            <a:lvl9pPr marL="2807940" indent="0">
-              <a:buNone/>
-              <a:defRPr sz="768"/>
+            <a:lvl9pPr marL="4416186" indent="0">
+              <a:buNone/>
+              <a:defRPr sz="1207"/>
             </a:lvl9pPr>
           </a:lstStyle>
           <a:p>
@@ -2363,7 +2365,7 @@
           <a:p>
             <a:fld id="{9B3F4528-C138-4BF2-B6A0-94131316515C}" type="datetimeFigureOut">
               <a:rPr kumimoji="1" lang="ja-JP" altLang="en-US" smtClean="0"/>
-              <a:t>2018/12/3</a:t>
+              <a:t>2018/12/6</a:t>
             </a:fld>
             <a:endParaRPr kumimoji="1" lang="ja-JP" altLang="en-US"/>
           </a:p>
@@ -2414,7 +2416,7 @@
     </p:spTree>
     <p:extLst>
       <p:ext uri="{BB962C8B-B14F-4D97-AF65-F5344CB8AC3E}">
-        <p14:creationId xmlns:p14="http://schemas.microsoft.com/office/powerpoint/2010/main" val="2344058119"/>
+        <p14:creationId xmlns:p14="http://schemas.microsoft.com/office/powerpoint/2010/main" val="956904877"/>
       </p:ext>
     </p:extLst>
   </p:cSld>
@@ -2453,15 +2455,15 @@
         </p:nvSpPr>
         <p:spPr>
           <a:xfrm>
-            <a:off x="483534" y="552027"/>
-            <a:ext cx="2264109" cy="1932093"/>
+            <a:off x="1041425" y="552027"/>
+            <a:ext cx="4876383" cy="1932093"/>
           </a:xfrm>
         </p:spPr>
         <p:txBody>
           <a:bodyPr anchor="b"/>
           <a:lstStyle>
             <a:lvl1pPr>
-              <a:defRPr sz="2457"/>
+              <a:defRPr sz="3864"/>
             </a:lvl1pPr>
           </a:lstStyle>
           <a:p>
@@ -2485,8 +2487,8 @@
         </p:nvSpPr>
         <p:spPr>
           <a:xfrm>
-            <a:off x="2984382" y="1192226"/>
-            <a:ext cx="3553837" cy="5884451"/>
+            <a:off x="6427693" y="1192225"/>
+            <a:ext cx="7654171" cy="5884451"/>
           </a:xfrm>
         </p:spPr>
         <p:txBody>
@@ -2494,39 +2496,39 @@
           <a:lstStyle>
             <a:lvl1pPr marL="0" indent="0">
               <a:buNone/>
-              <a:defRPr sz="2457"/>
+              <a:defRPr sz="3864"/>
             </a:lvl1pPr>
-            <a:lvl2pPr marL="350992" indent="0">
-              <a:buNone/>
-              <a:defRPr sz="2150"/>
+            <a:lvl2pPr marL="552023" indent="0">
+              <a:buNone/>
+              <a:defRPr sz="3381"/>
             </a:lvl2pPr>
-            <a:lvl3pPr marL="701985" indent="0">
-              <a:buNone/>
-              <a:defRPr sz="1842"/>
+            <a:lvl3pPr marL="1104047" indent="0">
+              <a:buNone/>
+              <a:defRPr sz="2898"/>
             </a:lvl3pPr>
-            <a:lvl4pPr marL="1052977" indent="0">
-              <a:buNone/>
-              <a:defRPr sz="1535"/>
+            <a:lvl4pPr marL="1656070" indent="0">
+              <a:buNone/>
+              <a:defRPr sz="2415"/>
             </a:lvl4pPr>
-            <a:lvl5pPr marL="1403970" indent="0">
-              <a:buNone/>
-              <a:defRPr sz="1535"/>
+            <a:lvl5pPr marL="2208093" indent="0">
+              <a:buNone/>
+              <a:defRPr sz="2415"/>
             </a:lvl5pPr>
-            <a:lvl6pPr marL="1754962" indent="0">
-              <a:buNone/>
-              <a:defRPr sz="1535"/>
+            <a:lvl6pPr marL="2760116" indent="0">
+              <a:buNone/>
+              <a:defRPr sz="2415"/>
             </a:lvl6pPr>
-            <a:lvl7pPr marL="2105955" indent="0">
-              <a:buNone/>
-              <a:defRPr sz="1535"/>
+            <a:lvl7pPr marL="3312140" indent="0">
+              <a:buNone/>
+              <a:defRPr sz="2415"/>
             </a:lvl7pPr>
-            <a:lvl8pPr marL="2456947" indent="0">
-              <a:buNone/>
-              <a:defRPr sz="1535"/>
+            <a:lvl8pPr marL="3864163" indent="0">
+              <a:buNone/>
+              <a:defRPr sz="2415"/>
             </a:lvl8pPr>
-            <a:lvl9pPr marL="2807940" indent="0">
-              <a:buNone/>
-              <a:defRPr sz="1535"/>
+            <a:lvl9pPr marL="4416186" indent="0">
+              <a:buNone/>
+              <a:defRPr sz="2415"/>
             </a:lvl9pPr>
           </a:lstStyle>
           <a:p>
@@ -2550,8 +2552,8 @@
         </p:nvSpPr>
         <p:spPr>
           <a:xfrm>
-            <a:off x="483534" y="2484120"/>
-            <a:ext cx="2264109" cy="4602140"/>
+            <a:off x="1041425" y="2484120"/>
+            <a:ext cx="4876383" cy="4602140"/>
           </a:xfrm>
         </p:spPr>
         <p:txBody>
@@ -2559,39 +2561,39 @@
           <a:lstStyle>
             <a:lvl1pPr marL="0" indent="0">
               <a:buNone/>
-              <a:defRPr sz="1228"/>
+              <a:defRPr sz="1932"/>
             </a:lvl1pPr>
-            <a:lvl2pPr marL="350992" indent="0">
-              <a:buNone/>
-              <a:defRPr sz="1075"/>
+            <a:lvl2pPr marL="552023" indent="0">
+              <a:buNone/>
+              <a:defRPr sz="1690"/>
             </a:lvl2pPr>
-            <a:lvl3pPr marL="701985" indent="0">
-              <a:buNone/>
-              <a:defRPr sz="921"/>
+            <a:lvl3pPr marL="1104047" indent="0">
+              <a:buNone/>
+              <a:defRPr sz="1449"/>
             </a:lvl3pPr>
-            <a:lvl4pPr marL="1052977" indent="0">
-              <a:buNone/>
-              <a:defRPr sz="768"/>
+            <a:lvl4pPr marL="1656070" indent="0">
+              <a:buNone/>
+              <a:defRPr sz="1207"/>
             </a:lvl4pPr>
-            <a:lvl5pPr marL="1403970" indent="0">
-              <a:buNone/>
-              <a:defRPr sz="768"/>
+            <a:lvl5pPr marL="2208093" indent="0">
+              <a:buNone/>
+              <a:defRPr sz="1207"/>
             </a:lvl5pPr>
-            <a:lvl6pPr marL="1754962" indent="0">
-              <a:buNone/>
-              <a:defRPr sz="768"/>
+            <a:lvl6pPr marL="2760116" indent="0">
+              <a:buNone/>
+              <a:defRPr sz="1207"/>
             </a:lvl6pPr>
-            <a:lvl7pPr marL="2105955" indent="0">
-              <a:buNone/>
-              <a:defRPr sz="768"/>
+            <a:lvl7pPr marL="3312140" indent="0">
+              <a:buNone/>
+              <a:defRPr sz="1207"/>
             </a:lvl7pPr>
-            <a:lvl8pPr marL="2456947" indent="0">
-              <a:buNone/>
-              <a:defRPr sz="768"/>
+            <a:lvl8pPr marL="3864163" indent="0">
+              <a:buNone/>
+              <a:defRPr sz="1207"/>
             </a:lvl8pPr>
-            <a:lvl9pPr marL="2807940" indent="0">
-              <a:buNone/>
-              <a:defRPr sz="768"/>
+            <a:lvl9pPr marL="4416186" indent="0">
+              <a:buNone/>
+              <a:defRPr sz="1207"/>
             </a:lvl9pPr>
           </a:lstStyle>
           <a:p>
@@ -2620,7 +2622,7 @@
           <a:p>
             <a:fld id="{9B3F4528-C138-4BF2-B6A0-94131316515C}" type="datetimeFigureOut">
               <a:rPr kumimoji="1" lang="ja-JP" altLang="en-US" smtClean="0"/>
-              <a:t>2018/12/3</a:t>
+              <a:t>2018/12/6</a:t>
             </a:fld>
             <a:endParaRPr kumimoji="1" lang="ja-JP" altLang="en-US"/>
           </a:p>
@@ -2671,7 +2673,7 @@
     </p:spTree>
     <p:extLst>
       <p:ext uri="{BB962C8B-B14F-4D97-AF65-F5344CB8AC3E}">
-        <p14:creationId xmlns:p14="http://schemas.microsoft.com/office/powerpoint/2010/main" val="71130085"/>
+        <p14:creationId xmlns:p14="http://schemas.microsoft.com/office/powerpoint/2010/main" val="2378276849"/>
       </p:ext>
     </p:extLst>
   </p:cSld>
@@ -2715,8 +2717,8 @@
         </p:nvSpPr>
         <p:spPr>
           <a:xfrm>
-            <a:off x="482620" y="440856"/>
-            <a:ext cx="6054685" cy="1600495"/>
+            <a:off x="1039456" y="440855"/>
+            <a:ext cx="13040439" cy="1600495"/>
           </a:xfrm>
           <a:prstGeom prst="rect">
             <a:avLst/>
@@ -2748,8 +2750,8 @@
         </p:nvSpPr>
         <p:spPr>
           <a:xfrm>
-            <a:off x="482620" y="2204273"/>
-            <a:ext cx="6054685" cy="5253838"/>
+            <a:off x="1039456" y="2204273"/>
+            <a:ext cx="13040439" cy="5253838"/>
           </a:xfrm>
           <a:prstGeom prst="rect">
             <a:avLst/>
@@ -2842,8 +2844,8 @@
         </p:nvSpPr>
         <p:spPr>
           <a:xfrm>
-            <a:off x="482620" y="7674706"/>
-            <a:ext cx="1579483" cy="440855"/>
+            <a:off x="1039455" y="7674704"/>
+            <a:ext cx="3401854" cy="440855"/>
           </a:xfrm>
           <a:prstGeom prst="rect">
             <a:avLst/>
@@ -2853,7 +2855,7 @@
           <a:bodyPr vert="horz" lIns="91440" tIns="45720" rIns="91440" bIns="45720" rtlCol="0" anchor="ctr"/>
           <a:lstStyle>
             <a:lvl1pPr algn="l">
-              <a:defRPr sz="921">
+              <a:defRPr sz="1449">
                 <a:solidFill>
                   <a:schemeClr val="tx1">
                     <a:tint val="75000"/>
@@ -2865,7 +2867,7 @@
           <a:p>
             <a:fld id="{9B3F4528-C138-4BF2-B6A0-94131316515C}" type="datetimeFigureOut">
               <a:rPr kumimoji="1" lang="ja-JP" altLang="en-US" smtClean="0"/>
-              <a:t>2018/12/3</a:t>
+              <a:t>2018/12/6</a:t>
             </a:fld>
             <a:endParaRPr kumimoji="1" lang="ja-JP" altLang="en-US"/>
           </a:p>
@@ -2883,8 +2885,8 @@
         </p:nvSpPr>
         <p:spPr>
           <a:xfrm>
-            <a:off x="2325350" y="7674706"/>
-            <a:ext cx="2369225" cy="440855"/>
+            <a:off x="5008285" y="7674704"/>
+            <a:ext cx="5102781" cy="440855"/>
           </a:xfrm>
           <a:prstGeom prst="rect">
             <a:avLst/>
@@ -2894,7 +2896,7 @@
           <a:bodyPr vert="horz" lIns="91440" tIns="45720" rIns="91440" bIns="45720" rtlCol="0" anchor="ctr"/>
           <a:lstStyle>
             <a:lvl1pPr algn="ctr">
-              <a:defRPr sz="921">
+              <a:defRPr sz="1449">
                 <a:solidFill>
                   <a:schemeClr val="tx1">
                     <a:tint val="75000"/>
@@ -2920,8 +2922,8 @@
         </p:nvSpPr>
         <p:spPr>
           <a:xfrm>
-            <a:off x="4957822" y="7674706"/>
-            <a:ext cx="1579483" cy="440855"/>
+            <a:off x="10678041" y="7674704"/>
+            <a:ext cx="3401854" cy="440855"/>
           </a:xfrm>
           <a:prstGeom prst="rect">
             <a:avLst/>
@@ -2931,7 +2933,7 @@
           <a:bodyPr vert="horz" lIns="91440" tIns="45720" rIns="91440" bIns="45720" rtlCol="0" anchor="ctr"/>
           <a:lstStyle>
             <a:lvl1pPr algn="r">
-              <a:defRPr sz="921">
+              <a:defRPr sz="1449">
                 <a:solidFill>
                   <a:schemeClr val="tx1">
                     <a:tint val="75000"/>
@@ -2952,27 +2954,27 @@
     </p:spTree>
     <p:extLst>
       <p:ext uri="{BB962C8B-B14F-4D97-AF65-F5344CB8AC3E}">
-        <p14:creationId xmlns:p14="http://schemas.microsoft.com/office/powerpoint/2010/main" val="1686811200"/>
+        <p14:creationId xmlns:p14="http://schemas.microsoft.com/office/powerpoint/2010/main" val="3075188049"/>
       </p:ext>
     </p:extLst>
   </p:cSld>
   <p:clrMap bg1="lt1" tx1="dk1" bg2="lt2" tx2="dk2" accent1="accent1" accent2="accent2" accent3="accent3" accent4="accent4" accent5="accent5" accent6="accent6" hlink="hlink" folHlink="folHlink"/>
   <p:sldLayoutIdLst>
-    <p:sldLayoutId id="2147484057" r:id="rId1"/>
-    <p:sldLayoutId id="2147484058" r:id="rId2"/>
-    <p:sldLayoutId id="2147484059" r:id="rId3"/>
-    <p:sldLayoutId id="2147484060" r:id="rId4"/>
-    <p:sldLayoutId id="2147484061" r:id="rId5"/>
-    <p:sldLayoutId id="2147484062" r:id="rId6"/>
-    <p:sldLayoutId id="2147484063" r:id="rId7"/>
-    <p:sldLayoutId id="2147484064" r:id="rId8"/>
-    <p:sldLayoutId id="2147484065" r:id="rId9"/>
-    <p:sldLayoutId id="2147484066" r:id="rId10"/>
-    <p:sldLayoutId id="2147484067" r:id="rId11"/>
+    <p:sldLayoutId id="2147484105" r:id="rId1"/>
+    <p:sldLayoutId id="2147484106" r:id="rId2"/>
+    <p:sldLayoutId id="2147484107" r:id="rId3"/>
+    <p:sldLayoutId id="2147484108" r:id="rId4"/>
+    <p:sldLayoutId id="2147484109" r:id="rId5"/>
+    <p:sldLayoutId id="2147484110" r:id="rId6"/>
+    <p:sldLayoutId id="2147484111" r:id="rId7"/>
+    <p:sldLayoutId id="2147484112" r:id="rId8"/>
+    <p:sldLayoutId id="2147484113" r:id="rId9"/>
+    <p:sldLayoutId id="2147484114" r:id="rId10"/>
+    <p:sldLayoutId id="2147484115" r:id="rId11"/>
   </p:sldLayoutIdLst>
   <p:txStyles>
     <p:titleStyle>
-      <a:lvl1pPr algn="l" defTabSz="701985" rtl="0" eaLnBrk="1" latinLnBrk="0" hangingPunct="1">
+      <a:lvl1pPr algn="l" defTabSz="1104047" rtl="0" eaLnBrk="1" latinLnBrk="0" hangingPunct="1">
         <a:lnSpc>
           <a:spcPct val="90000"/>
         </a:lnSpc>
@@ -2980,7 +2982,7 @@
           <a:spcPct val="0"/>
         </a:spcBef>
         <a:buNone/>
-        <a:defRPr kumimoji="1" sz="3378" kern="1200">
+        <a:defRPr kumimoji="1" sz="5313" kern="1200">
           <a:solidFill>
             <a:schemeClr val="tx1"/>
           </a:solidFill>
@@ -2991,16 +2993,16 @@
       </a:lvl1pPr>
     </p:titleStyle>
     <p:bodyStyle>
-      <a:lvl1pPr marL="175496" indent="-175496" algn="l" defTabSz="701985" rtl="0" eaLnBrk="1" latinLnBrk="0" hangingPunct="1">
+      <a:lvl1pPr marL="276012" indent="-276012" algn="l" defTabSz="1104047" rtl="0" eaLnBrk="1" latinLnBrk="0" hangingPunct="1">
         <a:lnSpc>
           <a:spcPct val="90000"/>
         </a:lnSpc>
         <a:spcBef>
-          <a:spcPts val="768"/>
+          <a:spcPts val="1207"/>
         </a:spcBef>
         <a:buFont typeface="Arial" panose="020B0604020202020204" pitchFamily="34" charset="0"/>
         <a:buChar char="•"/>
-        <a:defRPr kumimoji="1" sz="2150" kern="1200">
+        <a:defRPr kumimoji="1" sz="3381" kern="1200">
           <a:solidFill>
             <a:schemeClr val="tx1"/>
           </a:solidFill>
@@ -3009,16 +3011,16 @@
           <a:cs typeface="+mn-cs"/>
         </a:defRPr>
       </a:lvl1pPr>
-      <a:lvl2pPr marL="526489" indent="-175496" algn="l" defTabSz="701985" rtl="0" eaLnBrk="1" latinLnBrk="0" hangingPunct="1">
+      <a:lvl2pPr marL="828035" indent="-276012" algn="l" defTabSz="1104047" rtl="0" eaLnBrk="1" latinLnBrk="0" hangingPunct="1">
         <a:lnSpc>
           <a:spcPct val="90000"/>
         </a:lnSpc>
         <a:spcBef>
-          <a:spcPts val="384"/>
+          <a:spcPts val="604"/>
         </a:spcBef>
         <a:buFont typeface="Arial" panose="020B0604020202020204" pitchFamily="34" charset="0"/>
         <a:buChar char="•"/>
-        <a:defRPr kumimoji="1" sz="1842" kern="1200">
+        <a:defRPr kumimoji="1" sz="2898" kern="1200">
           <a:solidFill>
             <a:schemeClr val="tx1"/>
           </a:solidFill>
@@ -3027,16 +3029,16 @@
           <a:cs typeface="+mn-cs"/>
         </a:defRPr>
       </a:lvl2pPr>
-      <a:lvl3pPr marL="877481" indent="-175496" algn="l" defTabSz="701985" rtl="0" eaLnBrk="1" latinLnBrk="0" hangingPunct="1">
+      <a:lvl3pPr marL="1380058" indent="-276012" algn="l" defTabSz="1104047" rtl="0" eaLnBrk="1" latinLnBrk="0" hangingPunct="1">
         <a:lnSpc>
           <a:spcPct val="90000"/>
         </a:lnSpc>
         <a:spcBef>
-          <a:spcPts val="384"/>
+          <a:spcPts val="604"/>
         </a:spcBef>
         <a:buFont typeface="Arial" panose="020B0604020202020204" pitchFamily="34" charset="0"/>
         <a:buChar char="•"/>
-        <a:defRPr kumimoji="1" sz="1535" kern="1200">
+        <a:defRPr kumimoji="1" sz="2415" kern="1200">
           <a:solidFill>
             <a:schemeClr val="tx1"/>
           </a:solidFill>
@@ -3045,16 +3047,16 @@
           <a:cs typeface="+mn-cs"/>
         </a:defRPr>
       </a:lvl3pPr>
-      <a:lvl4pPr marL="1228474" indent="-175496" algn="l" defTabSz="701985" rtl="0" eaLnBrk="1" latinLnBrk="0" hangingPunct="1">
+      <a:lvl4pPr marL="1932081" indent="-276012" algn="l" defTabSz="1104047" rtl="0" eaLnBrk="1" latinLnBrk="0" hangingPunct="1">
         <a:lnSpc>
           <a:spcPct val="90000"/>
         </a:lnSpc>
         <a:spcBef>
-          <a:spcPts val="384"/>
+          <a:spcPts val="604"/>
         </a:spcBef>
         <a:buFont typeface="Arial" panose="020B0604020202020204" pitchFamily="34" charset="0"/>
         <a:buChar char="•"/>
-        <a:defRPr kumimoji="1" sz="1382" kern="1200">
+        <a:defRPr kumimoji="1" sz="2173" kern="1200">
           <a:solidFill>
             <a:schemeClr val="tx1"/>
           </a:solidFill>
@@ -3063,16 +3065,16 @@
           <a:cs typeface="+mn-cs"/>
         </a:defRPr>
       </a:lvl4pPr>
-      <a:lvl5pPr marL="1579466" indent="-175496" algn="l" defTabSz="701985" rtl="0" eaLnBrk="1" latinLnBrk="0" hangingPunct="1">
+      <a:lvl5pPr marL="2484105" indent="-276012" algn="l" defTabSz="1104047" rtl="0" eaLnBrk="1" latinLnBrk="0" hangingPunct="1">
         <a:lnSpc>
           <a:spcPct val="90000"/>
         </a:lnSpc>
         <a:spcBef>
-          <a:spcPts val="384"/>
+          <a:spcPts val="604"/>
         </a:spcBef>
         <a:buFont typeface="Arial" panose="020B0604020202020204" pitchFamily="34" charset="0"/>
         <a:buChar char="•"/>
-        <a:defRPr kumimoji="1" sz="1382" kern="1200">
+        <a:defRPr kumimoji="1" sz="2173" kern="1200">
           <a:solidFill>
             <a:schemeClr val="tx1"/>
           </a:solidFill>
@@ -3081,16 +3083,16 @@
           <a:cs typeface="+mn-cs"/>
         </a:defRPr>
       </a:lvl5pPr>
-      <a:lvl6pPr marL="1930458" indent="-175496" algn="l" defTabSz="701985" rtl="0" eaLnBrk="1" latinLnBrk="0" hangingPunct="1">
+      <a:lvl6pPr marL="3036128" indent="-276012" algn="l" defTabSz="1104047" rtl="0" eaLnBrk="1" latinLnBrk="0" hangingPunct="1">
         <a:lnSpc>
           <a:spcPct val="90000"/>
         </a:lnSpc>
         <a:spcBef>
-          <a:spcPts val="384"/>
+          <a:spcPts val="604"/>
         </a:spcBef>
         <a:buFont typeface="Arial" panose="020B0604020202020204" pitchFamily="34" charset="0"/>
         <a:buChar char="•"/>
-        <a:defRPr kumimoji="1" sz="1382" kern="1200">
+        <a:defRPr kumimoji="1" sz="2173" kern="1200">
           <a:solidFill>
             <a:schemeClr val="tx1"/>
           </a:solidFill>
@@ -3099,16 +3101,16 @@
           <a:cs typeface="+mn-cs"/>
         </a:defRPr>
       </a:lvl6pPr>
-      <a:lvl7pPr marL="2281451" indent="-175496" algn="l" defTabSz="701985" rtl="0" eaLnBrk="1" latinLnBrk="0" hangingPunct="1">
+      <a:lvl7pPr marL="3588151" indent="-276012" algn="l" defTabSz="1104047" rtl="0" eaLnBrk="1" latinLnBrk="0" hangingPunct="1">
         <a:lnSpc>
           <a:spcPct val="90000"/>
         </a:lnSpc>
         <a:spcBef>
-          <a:spcPts val="384"/>
+          <a:spcPts val="604"/>
         </a:spcBef>
         <a:buFont typeface="Arial" panose="020B0604020202020204" pitchFamily="34" charset="0"/>
         <a:buChar char="•"/>
-        <a:defRPr kumimoji="1" sz="1382" kern="1200">
+        <a:defRPr kumimoji="1" sz="2173" kern="1200">
           <a:solidFill>
             <a:schemeClr val="tx1"/>
           </a:solidFill>
@@ -3117,16 +3119,16 @@
           <a:cs typeface="+mn-cs"/>
         </a:defRPr>
       </a:lvl7pPr>
-      <a:lvl8pPr marL="2632443" indent="-175496" algn="l" defTabSz="701985" rtl="0" eaLnBrk="1" latinLnBrk="0" hangingPunct="1">
+      <a:lvl8pPr marL="4140175" indent="-276012" algn="l" defTabSz="1104047" rtl="0" eaLnBrk="1" latinLnBrk="0" hangingPunct="1">
         <a:lnSpc>
           <a:spcPct val="90000"/>
         </a:lnSpc>
         <a:spcBef>
-          <a:spcPts val="384"/>
+          <a:spcPts val="604"/>
         </a:spcBef>
         <a:buFont typeface="Arial" panose="020B0604020202020204" pitchFamily="34" charset="0"/>
         <a:buChar char="•"/>
-        <a:defRPr kumimoji="1" sz="1382" kern="1200">
+        <a:defRPr kumimoji="1" sz="2173" kern="1200">
           <a:solidFill>
             <a:schemeClr val="tx1"/>
           </a:solidFill>
@@ -3135,16 +3137,16 @@
           <a:cs typeface="+mn-cs"/>
         </a:defRPr>
       </a:lvl8pPr>
-      <a:lvl9pPr marL="2983436" indent="-175496" algn="l" defTabSz="701985" rtl="0" eaLnBrk="1" latinLnBrk="0" hangingPunct="1">
+      <a:lvl9pPr marL="4692198" indent="-276012" algn="l" defTabSz="1104047" rtl="0" eaLnBrk="1" latinLnBrk="0" hangingPunct="1">
         <a:lnSpc>
           <a:spcPct val="90000"/>
         </a:lnSpc>
         <a:spcBef>
-          <a:spcPts val="384"/>
+          <a:spcPts val="604"/>
         </a:spcBef>
         <a:buFont typeface="Arial" panose="020B0604020202020204" pitchFamily="34" charset="0"/>
         <a:buChar char="•"/>
-        <a:defRPr kumimoji="1" sz="1382" kern="1200">
+        <a:defRPr kumimoji="1" sz="2173" kern="1200">
           <a:solidFill>
             <a:schemeClr val="tx1"/>
           </a:solidFill>
@@ -3158,8 +3160,8 @@
       <a:defPPr>
         <a:defRPr lang="en-US"/>
       </a:defPPr>
-      <a:lvl1pPr marL="0" algn="l" defTabSz="701985" rtl="0" eaLnBrk="1" latinLnBrk="0" hangingPunct="1">
-        <a:defRPr kumimoji="1" sz="1382" kern="1200">
+      <a:lvl1pPr marL="0" algn="l" defTabSz="1104047" rtl="0" eaLnBrk="1" latinLnBrk="0" hangingPunct="1">
+        <a:defRPr kumimoji="1" sz="2173" kern="1200">
           <a:solidFill>
             <a:schemeClr val="tx1"/>
           </a:solidFill>
@@ -3168,8 +3170,8 @@
           <a:cs typeface="+mn-cs"/>
         </a:defRPr>
       </a:lvl1pPr>
-      <a:lvl2pPr marL="350992" algn="l" defTabSz="701985" rtl="0" eaLnBrk="1" latinLnBrk="0" hangingPunct="1">
-        <a:defRPr kumimoji="1" sz="1382" kern="1200">
+      <a:lvl2pPr marL="552023" algn="l" defTabSz="1104047" rtl="0" eaLnBrk="1" latinLnBrk="0" hangingPunct="1">
+        <a:defRPr kumimoji="1" sz="2173" kern="1200">
           <a:solidFill>
             <a:schemeClr val="tx1"/>
           </a:solidFill>
@@ -3178,8 +3180,8 @@
           <a:cs typeface="+mn-cs"/>
         </a:defRPr>
       </a:lvl2pPr>
-      <a:lvl3pPr marL="701985" algn="l" defTabSz="701985" rtl="0" eaLnBrk="1" latinLnBrk="0" hangingPunct="1">
-        <a:defRPr kumimoji="1" sz="1382" kern="1200">
+      <a:lvl3pPr marL="1104047" algn="l" defTabSz="1104047" rtl="0" eaLnBrk="1" latinLnBrk="0" hangingPunct="1">
+        <a:defRPr kumimoji="1" sz="2173" kern="1200">
           <a:solidFill>
             <a:schemeClr val="tx1"/>
           </a:solidFill>
@@ -3188,8 +3190,8 @@
           <a:cs typeface="+mn-cs"/>
         </a:defRPr>
       </a:lvl3pPr>
-      <a:lvl4pPr marL="1052977" algn="l" defTabSz="701985" rtl="0" eaLnBrk="1" latinLnBrk="0" hangingPunct="1">
-        <a:defRPr kumimoji="1" sz="1382" kern="1200">
+      <a:lvl4pPr marL="1656070" algn="l" defTabSz="1104047" rtl="0" eaLnBrk="1" latinLnBrk="0" hangingPunct="1">
+        <a:defRPr kumimoji="1" sz="2173" kern="1200">
           <a:solidFill>
             <a:schemeClr val="tx1"/>
           </a:solidFill>
@@ -3198,8 +3200,8 @@
           <a:cs typeface="+mn-cs"/>
         </a:defRPr>
       </a:lvl4pPr>
-      <a:lvl5pPr marL="1403970" algn="l" defTabSz="701985" rtl="0" eaLnBrk="1" latinLnBrk="0" hangingPunct="1">
-        <a:defRPr kumimoji="1" sz="1382" kern="1200">
+      <a:lvl5pPr marL="2208093" algn="l" defTabSz="1104047" rtl="0" eaLnBrk="1" latinLnBrk="0" hangingPunct="1">
+        <a:defRPr kumimoji="1" sz="2173" kern="1200">
           <a:solidFill>
             <a:schemeClr val="tx1"/>
           </a:solidFill>
@@ -3208,8 +3210,8 @@
           <a:cs typeface="+mn-cs"/>
         </a:defRPr>
       </a:lvl5pPr>
-      <a:lvl6pPr marL="1754962" algn="l" defTabSz="701985" rtl="0" eaLnBrk="1" latinLnBrk="0" hangingPunct="1">
-        <a:defRPr kumimoji="1" sz="1382" kern="1200">
+      <a:lvl6pPr marL="2760116" algn="l" defTabSz="1104047" rtl="0" eaLnBrk="1" latinLnBrk="0" hangingPunct="1">
+        <a:defRPr kumimoji="1" sz="2173" kern="1200">
           <a:solidFill>
             <a:schemeClr val="tx1"/>
           </a:solidFill>
@@ -3218,8 +3220,8 @@
           <a:cs typeface="+mn-cs"/>
         </a:defRPr>
       </a:lvl6pPr>
-      <a:lvl7pPr marL="2105955" algn="l" defTabSz="701985" rtl="0" eaLnBrk="1" latinLnBrk="0" hangingPunct="1">
-        <a:defRPr kumimoji="1" sz="1382" kern="1200">
+      <a:lvl7pPr marL="3312140" algn="l" defTabSz="1104047" rtl="0" eaLnBrk="1" latinLnBrk="0" hangingPunct="1">
+        <a:defRPr kumimoji="1" sz="2173" kern="1200">
           <a:solidFill>
             <a:schemeClr val="tx1"/>
           </a:solidFill>
@@ -3228,8 +3230,8 @@
           <a:cs typeface="+mn-cs"/>
         </a:defRPr>
       </a:lvl7pPr>
-      <a:lvl8pPr marL="2456947" algn="l" defTabSz="701985" rtl="0" eaLnBrk="1" latinLnBrk="0" hangingPunct="1">
-        <a:defRPr kumimoji="1" sz="1382" kern="1200">
+      <a:lvl8pPr marL="3864163" algn="l" defTabSz="1104047" rtl="0" eaLnBrk="1" latinLnBrk="0" hangingPunct="1">
+        <a:defRPr kumimoji="1" sz="2173" kern="1200">
           <a:solidFill>
             <a:schemeClr val="tx1"/>
           </a:solidFill>
@@ -3238,8 +3240,8 @@
           <a:cs typeface="+mn-cs"/>
         </a:defRPr>
       </a:lvl8pPr>
-      <a:lvl9pPr marL="2807940" algn="l" defTabSz="701985" rtl="0" eaLnBrk="1" latinLnBrk="0" hangingPunct="1">
-        <a:defRPr kumimoji="1" sz="1382" kern="1200">
+      <a:lvl9pPr marL="4416186" algn="l" defTabSz="1104047" rtl="0" eaLnBrk="1" latinLnBrk="0" hangingPunct="1">
+        <a:defRPr kumimoji="1" sz="2173" kern="1200">
           <a:solidFill>
             <a:schemeClr val="tx1"/>
           </a:solidFill>
@@ -3286,7 +3288,7 @@
         </p:blipFill>
         <p:spPr>
           <a:xfrm>
-            <a:off x="807232" y="99568"/>
+            <a:off x="8104339" y="99567"/>
             <a:ext cx="3839398" cy="7937632"/>
           </a:xfrm>
           <a:prstGeom prst="rect">
@@ -3302,10 +3304,10 @@
         </p:nvGrpSpPr>
         <p:grpSpPr>
           <a:xfrm>
-            <a:off x="4646630" y="5061729"/>
-            <a:ext cx="2434321" cy="646331"/>
+            <a:off x="11943737" y="5061733"/>
+            <a:ext cx="3175613" cy="830997"/>
             <a:chOff x="4646630" y="5061729"/>
-            <a:chExt cx="2434321" cy="646331"/>
+            <a:chExt cx="3175613" cy="830997"/>
           </a:xfrm>
         </p:grpSpPr>
         <p:sp>
@@ -3317,7 +3319,7 @@
           <p:spPr>
             <a:xfrm>
               <a:off x="4646630" y="5061729"/>
-              <a:ext cx="2434321" cy="646331"/>
+              <a:ext cx="3175613" cy="830997"/>
             </a:xfrm>
             <a:prstGeom prst="rect">
               <a:avLst/>
@@ -3331,16 +3333,24 @@
             <a:lstStyle/>
             <a:p>
               <a:r>
-                <a:rPr lang="en-US" altLang="ja-JP" sz="1800" dirty="0"/>
-                <a:t>Send mean     of</a:t>
+                <a:rPr lang="en-US" altLang="ja-JP" sz="2400" dirty="0"/>
+                <a:t>Send </a:t>
+              </a:r>
+              <a:r>
+                <a:rPr lang="en-US" altLang="ja-JP" sz="2400" dirty="0" smtClean="0"/>
+                <a:t>means     </a:t>
+              </a:r>
+              <a:r>
+                <a:rPr lang="en-US" altLang="ja-JP" sz="2400" dirty="0"/>
+                <a:t>of</a:t>
               </a:r>
             </a:p>
             <a:p>
               <a:r>
-                <a:rPr lang="en-US" altLang="ja-JP" sz="1800" dirty="0"/>
+                <a:rPr lang="en-US" altLang="ja-JP" sz="2400" dirty="0"/>
                 <a:t>   distribution of classes.</a:t>
               </a:r>
-              <a:endParaRPr lang="ja-JP" altLang="en-US" sz="1800" dirty="0"/>
+              <a:endParaRPr lang="ja-JP" altLang="en-US" sz="2400" dirty="0"/>
             </a:p>
           </p:txBody>
         </p:sp>
@@ -3367,8 +3377,8 @@
           </p:blipFill>
           <p:spPr bwMode="auto">
             <a:xfrm>
-              <a:off x="5831840" y="5180950"/>
-              <a:ext cx="166270" cy="173828"/>
+              <a:off x="6322011" y="5241025"/>
+              <a:ext cx="189400" cy="198010"/>
             </a:xfrm>
             <a:prstGeom prst="rect">
               <a:avLst/>
@@ -3394,10 +3404,10 @@
         </p:nvGrpSpPr>
         <p:grpSpPr>
           <a:xfrm>
-            <a:off x="420186" y="5214586"/>
-            <a:ext cx="2513318" cy="369332"/>
+            <a:off x="7044123" y="5180954"/>
+            <a:ext cx="3276090" cy="461665"/>
             <a:chOff x="420186" y="5214586"/>
-            <a:chExt cx="2513318" cy="369332"/>
+            <a:chExt cx="3276090" cy="461665"/>
           </a:xfrm>
         </p:grpSpPr>
         <p:sp>
@@ -3409,7 +3419,7 @@
           <p:spPr>
             <a:xfrm>
               <a:off x="420186" y="5214586"/>
-              <a:ext cx="2513318" cy="369332"/>
+              <a:ext cx="3276090" cy="461665"/>
             </a:xfrm>
             <a:prstGeom prst="rect">
               <a:avLst/>
@@ -3423,18 +3433,22 @@
             <a:lstStyle/>
             <a:p>
               <a:r>
-                <a:rPr lang="en-US" altLang="ja-JP" sz="1800" dirty="0"/>
+                <a:rPr lang="en-US" altLang="ja-JP" sz="2400" dirty="0"/>
                 <a:t>Send</a:t>
               </a:r>
               <a:r>
-                <a:rPr lang="ja-JP" altLang="en-US" sz="1800" dirty="0"/>
+                <a:rPr lang="ja-JP" altLang="en-US" sz="2400" dirty="0"/>
                 <a:t> </a:t>
               </a:r>
               <a:r>
-                <a:rPr lang="en-US" altLang="ja-JP" sz="1800" dirty="0"/>
-                <a:t>latent variables      .</a:t>
+                <a:rPr lang="en-US" altLang="ja-JP" sz="2400" dirty="0"/>
+                <a:t>latent variables     </a:t>
               </a:r>
-              <a:endParaRPr lang="ja-JP" altLang="en-US" sz="1800" dirty="0"/>
+              <a:r>
+                <a:rPr lang="en-US" altLang="ja-JP" sz="2400" dirty="0" smtClean="0"/>
+                <a:t>.</a:t>
+              </a:r>
+              <a:endParaRPr lang="ja-JP" altLang="en-US" sz="2400" dirty="0"/>
             </a:p>
           </p:txBody>
         </p:sp>
@@ -3461,8 +3475,8 @@
           </p:blipFill>
           <p:spPr bwMode="auto">
             <a:xfrm>
-              <a:off x="2505310" y="5308464"/>
-              <a:ext cx="250095" cy="181576"/>
+              <a:off x="3132923" y="5375267"/>
+              <a:ext cx="268320" cy="194808"/>
             </a:xfrm>
             <a:prstGeom prst="rect">
               <a:avLst/>
@@ -3488,10 +3502,10 @@
         </p:nvGrpSpPr>
         <p:grpSpPr>
           <a:xfrm>
-            <a:off x="4675673" y="2356003"/>
-            <a:ext cx="1923925" cy="369332"/>
+            <a:off x="12011207" y="2555540"/>
+            <a:ext cx="2327881" cy="461665"/>
             <a:chOff x="4675673" y="2356003"/>
-            <a:chExt cx="1923925" cy="369332"/>
+            <a:chExt cx="2327881" cy="461665"/>
           </a:xfrm>
         </p:grpSpPr>
         <p:sp>
@@ -3503,7 +3517,7 @@
           <p:spPr>
             <a:xfrm>
               <a:off x="4675673" y="2356003"/>
-              <a:ext cx="1923925" cy="369332"/>
+              <a:ext cx="2327881" cy="461665"/>
             </a:xfrm>
             <a:prstGeom prst="rect">
               <a:avLst/>
@@ -3517,14 +3531,18 @@
             <a:lstStyle/>
             <a:p>
               <a:r>
-                <a:rPr kumimoji="1" lang="en-US" altLang="ja-JP" sz="1800" dirty="0" smtClean="0"/>
-                <a:t>Send                       </a:t>
+                <a:rPr kumimoji="1" lang="en-US" altLang="ja-JP" sz="2400" dirty="0"/>
+                <a:t>Send                   </a:t>
               </a:r>
               <a:r>
-                <a:rPr kumimoji="1" lang="en-US" altLang="ja-JP" sz="1800" dirty="0"/>
+                <a:rPr kumimoji="1" lang="en-US" altLang="ja-JP" sz="2400" dirty="0" smtClean="0"/>
+                <a:t> </a:t>
+              </a:r>
+              <a:r>
+                <a:rPr kumimoji="1" lang="en-US" altLang="ja-JP" sz="2400" dirty="0"/>
                 <a:t>.</a:t>
               </a:r>
-              <a:endParaRPr kumimoji="1" lang="ja-JP" altLang="en-US" sz="1800" dirty="0"/>
+              <a:endParaRPr kumimoji="1" lang="ja-JP" altLang="en-US" sz="2400" dirty="0"/>
             </a:p>
           </p:txBody>
         </p:sp>
@@ -3551,8 +3569,8 @@
           </p:blipFill>
           <p:spPr bwMode="auto">
             <a:xfrm>
-              <a:off x="5279591" y="2437175"/>
-              <a:ext cx="1104497" cy="237467"/>
+              <a:off x="5466281" y="2471638"/>
+              <a:ext cx="1256553" cy="270159"/>
             </a:xfrm>
             <a:prstGeom prst="rect">
               <a:avLst/>
@@ -3578,10 +3596,10 @@
         </p:nvGrpSpPr>
         <p:grpSpPr>
           <a:xfrm>
-            <a:off x="1120777" y="2587172"/>
-            <a:ext cx="1712328" cy="369332"/>
+            <a:off x="8171809" y="2555541"/>
+            <a:ext cx="2052165" cy="461665"/>
             <a:chOff x="1120777" y="2587172"/>
-            <a:chExt cx="1712328" cy="369332"/>
+            <a:chExt cx="2052165" cy="461665"/>
           </a:xfrm>
         </p:grpSpPr>
         <p:sp>
@@ -3593,7 +3611,7 @@
           <p:spPr>
             <a:xfrm>
               <a:off x="1120777" y="2587172"/>
-              <a:ext cx="1712328" cy="369332"/>
+              <a:ext cx="2052165" cy="461665"/>
             </a:xfrm>
             <a:prstGeom prst="rect">
               <a:avLst/>
@@ -3607,22 +3625,22 @@
             <a:lstStyle/>
             <a:p>
               <a:r>
-                <a:rPr kumimoji="1" lang="en-US" altLang="ja-JP" sz="1800" dirty="0" smtClean="0"/>
+                <a:rPr kumimoji="1" lang="en-US" altLang="ja-JP" sz="2400" dirty="0"/>
                 <a:t>Send  </a:t>
               </a:r>
               <a:r>
-                <a:rPr kumimoji="1" lang="ja-JP" altLang="en-US" sz="1800" dirty="0" smtClean="0"/>
+                <a:rPr kumimoji="1" lang="ja-JP" altLang="en-US" sz="2400" dirty="0"/>
                 <a:t>  </a:t>
               </a:r>
               <a:r>
-                <a:rPr kumimoji="1" lang="en-US" altLang="ja-JP" sz="1800" dirty="0" smtClean="0"/>
-                <a:t>               </a:t>
+                <a:rPr kumimoji="1" lang="en-US" altLang="ja-JP" sz="2400" dirty="0"/>
+                <a:t>            </a:t>
               </a:r>
               <a:r>
-                <a:rPr kumimoji="1" lang="en-US" altLang="ja-JP" sz="1800" dirty="0"/>
+                <a:rPr kumimoji="1" lang="en-US" altLang="ja-JP" sz="2400" dirty="0" smtClean="0"/>
                 <a:t>.</a:t>
               </a:r>
-              <a:endParaRPr kumimoji="1" lang="ja-JP" altLang="en-US" sz="1800" dirty="0"/>
+              <a:endParaRPr kumimoji="1" lang="ja-JP" altLang="en-US" sz="2400" dirty="0"/>
             </a:p>
           </p:txBody>
         </p:sp>
@@ -3649,8 +3667,8 @@
           </p:blipFill>
           <p:spPr bwMode="auto">
             <a:xfrm>
-              <a:off x="1751659" y="2640287"/>
-              <a:ext cx="893322" cy="263102"/>
+              <a:off x="1914939" y="2675788"/>
+              <a:ext cx="971002" cy="285980"/>
             </a:xfrm>
             <a:prstGeom prst="rect">
               <a:avLst/>
@@ -3668,6 +3686,30 @@
           </p:spPr>
         </p:pic>
       </p:grpSp>
+      <p:pic>
+        <p:nvPicPr>
+          <p:cNvPr id="5" name="図 4"/>
+          <p:cNvPicPr>
+            <a:picLocks noChangeAspect="1"/>
+          </p:cNvPicPr>
+          <p:nvPr/>
+        </p:nvPicPr>
+        <p:blipFill>
+          <a:blip r:embed="rId7"/>
+          <a:stretch>
+            <a:fillRect/>
+          </a:stretch>
+        </p:blipFill>
+        <p:spPr>
+          <a:xfrm>
+            <a:off x="159030" y="1127957"/>
+            <a:ext cx="6817623" cy="5880851"/>
+          </a:xfrm>
+          <a:prstGeom prst="rect">
+            <a:avLst/>
+          </a:prstGeom>
+        </p:spPr>
+      </p:pic>
     </p:spTree>
     <p:extLst>
       <p:ext uri="{BB962C8B-B14F-4D97-AF65-F5344CB8AC3E}">
